--- a/Презентация/29.11.2025/Ролдугин_В_Д.pptx
+++ b/Презентация/29.11.2025/Ролдугин_В_Д.pptx
@@ -26567,11 +26567,6 @@
               </a:rPr>
               <a:t>КАФЕДРА «КОМПЬЮТЕРНЫЕ СИСТЕМЫ И ТЕХНОЛОГИИ»</a:t>
             </a:r>
-            <a:endParaRPr lang="ru-RU" sz="1600" cap="small" dirty="0">
-              <a:solidFill>
-                <a:schemeClr val="bg1"/>
-              </a:solidFill>
-            </a:endParaRPr>
           </a:p>
         </p:txBody>
       </p:sp>
@@ -26621,11 +26616,6 @@
               </a:rPr>
               <a:t>.</a:t>
             </a:r>
-            <a:endParaRPr lang="ru-RU" sz="2000" dirty="0">
-              <a:solidFill>
-                <a:schemeClr val="bg1"/>
-              </a:solidFill>
-            </a:endParaRPr>
           </a:p>
         </p:txBody>
       </p:sp>
@@ -26692,9 +26682,10 @@
           <a:p>
             <a:pPr rtl="0"/>
             <a:r>
-              <a:rPr lang="ru-RU"/>
+              <a:rPr lang="ru-RU" dirty="0" smtClean="0"/>
               <a:t>Заголовок раздела 02</a:t>
             </a:r>
+            <a:endParaRPr lang="ru-RU" dirty="0"/>
           </a:p>
         </p:txBody>
       </p:sp>
@@ -26861,7 +26852,6 @@
               <a:rPr lang="ru-RU" sz="2000" dirty="0"/>
               <a:t>Последовательный опрос переменных приводит к значительным издержкам и ограничивает производительность системы КС1.</a:t>
             </a:r>
-            <a:endParaRPr lang="ru-RU" sz="2000" dirty="0"/>
           </a:p>
         </p:txBody>
       </p:sp>
@@ -27139,7 +27129,6 @@
               <a:rPr lang="ru-RU" dirty="0"/>
               <a:t>Основные результаты</a:t>
             </a:r>
-            <a:endParaRPr lang="ru-RU" dirty="0"/>
           </a:p>
         </p:txBody>
       </p:sp>
@@ -27807,7 +27796,7 @@
                 <a14:useLocalDpi xmlns:a14="http://schemas.microsoft.com/office/drawing/2010/main"/>
               </a:ext>
               <a:ext uri="{96DAC541-7B7A-43D3-8B79-37D633B846F1}">
-                <asvg:svgBlip xmlns="" xmlns:asvg="http://schemas.microsoft.com/office/drawing/2016/SVG/main" r:embed="rId4"/>
+                <asvg:svgBlip xmlns:asvg="http://schemas.microsoft.com/office/drawing/2016/SVG/main" xmlns="" r:embed="rId4"/>
               </a:ext>
             </a:extLst>
           </a:blip>
@@ -27875,7 +27864,7 @@
                 <a14:useLocalDpi xmlns:a14="http://schemas.microsoft.com/office/drawing/2010/main"/>
               </a:ext>
               <a:ext uri="{96DAC541-7B7A-43D3-8B79-37D633B846F1}">
-                <asvg:svgBlip xmlns="" xmlns:asvg="http://schemas.microsoft.com/office/drawing/2016/SVG/main" r:embed="rId6"/>
+                <asvg:svgBlip xmlns:asvg="http://schemas.microsoft.com/office/drawing/2016/SVG/main" xmlns="" r:embed="rId6"/>
               </a:ext>
             </a:extLst>
           </a:blip>
@@ -27938,7 +27927,7 @@
                 <a14:useLocalDpi xmlns:a14="http://schemas.microsoft.com/office/drawing/2010/main"/>
               </a:ext>
               <a:ext uri="{96DAC541-7B7A-43D3-8B79-37D633B846F1}">
-                <asvg:svgBlip xmlns="" xmlns:asvg="http://schemas.microsoft.com/office/drawing/2016/SVG/main" r:embed="rId8"/>
+                <asvg:svgBlip xmlns:asvg="http://schemas.microsoft.com/office/drawing/2016/SVG/main" xmlns="" r:embed="rId8"/>
               </a:ext>
             </a:extLst>
           </a:blip>
@@ -28001,7 +27990,7 @@
                 <a14:useLocalDpi xmlns:a14="http://schemas.microsoft.com/office/drawing/2010/main"/>
               </a:ext>
               <a:ext uri="{96DAC541-7B7A-43D3-8B79-37D633B846F1}">
-                <asvg:svgBlip xmlns="" xmlns:asvg="http://schemas.microsoft.com/office/drawing/2016/SVG/main" r:embed="rId10"/>
+                <asvg:svgBlip xmlns:asvg="http://schemas.microsoft.com/office/drawing/2016/SVG/main" xmlns="" r:embed="rId10"/>
               </a:ext>
             </a:extLst>
           </a:blip>
@@ -28064,7 +28053,7 @@
                 <a14:useLocalDpi xmlns:a14="http://schemas.microsoft.com/office/drawing/2010/main"/>
               </a:ext>
               <a:ext uri="{96DAC541-7B7A-43D3-8B79-37D633B846F1}">
-                <asvg:svgBlip xmlns="" xmlns:asvg="http://schemas.microsoft.com/office/drawing/2016/SVG/main" r:embed="rId12"/>
+                <asvg:svgBlip xmlns:asvg="http://schemas.microsoft.com/office/drawing/2016/SVG/main" xmlns="" r:embed="rId12"/>
               </a:ext>
             </a:extLst>
           </a:blip>
@@ -28802,53 +28791,23 @@
             <p:ph type="title"/>
           </p:nvPr>
         </p:nvSpPr>
-        <p:spPr/>
+        <p:spPr>
+          <a:xfrm>
+            <a:off x="444500" y="542924"/>
+            <a:ext cx="4282349" cy="798195"/>
+          </a:xfrm>
+        </p:spPr>
         <p:txBody>
           <a:bodyPr rtlCol="0"/>
           <a:lstStyle/>
           <a:p>
-            <a:pPr rtl="0"/>
             <a:r>
-              <a:rPr lang="ru-RU"/>
-              <a:t>Заголовок</a:t>
+              <a:rPr lang="ru-RU" sz="2400" dirty="0"/>
+              <a:t>Ключевые условия группировки запросов</a:t>
             </a:r>
           </a:p>
         </p:txBody>
       </p:sp>
-      <p:pic>
-        <p:nvPicPr>
-          <p:cNvPr id="8" name="Рисунок 7" descr="Треугольный конструктивный шаблон с аналитикой">
-            <a:extLst>
-              <a:ext uri="{FF2B5EF4-FFF2-40B4-BE49-F238E27FC236}">
-                <a16:creationId xmlns:a16="http://schemas.microsoft.com/office/drawing/2014/main" id="{2301248D-7370-7643-9BE6-F8CDCFF4D460}"/>
-              </a:ext>
-            </a:extLst>
-          </p:cNvPr>
-          <p:cNvPicPr>
-            <a:picLocks noGrp="1" noChangeAspect="1"/>
-          </p:cNvPicPr>
-          <p:nvPr>
-            <p:ph type="pic" sz="quarter" idx="19"/>
-          </p:nvPr>
-        </p:nvPicPr>
-        <p:blipFill rotWithShape="1">
-          <a:blip r:embed="rId3">
-            <a:extLst>
-              <a:ext uri="{28A0092B-C50C-407E-A947-70E740481C1C}">
-                <a14:useLocalDpi xmlns:a14="http://schemas.microsoft.com/office/drawing/2010/main" val="0"/>
-              </a:ext>
-            </a:extLst>
-          </a:blip>
-          <a:srcRect/>
-          <a:stretch/>
-        </p:blipFill>
-        <p:spPr>
-          <a:xfrm>
-            <a:off x="-2" y="1352575"/>
-            <a:ext cx="12192002" cy="2289897"/>
-          </a:xfrm>
-        </p:spPr>
-      </p:pic>
       <p:sp>
         <p:nvSpPr>
           <p:cNvPr id="19" name="Текст 18">
@@ -28865,22 +28824,117 @@
             <p:ph type="body" sz="quarter" idx="18"/>
           </p:nvPr>
         </p:nvSpPr>
-        <p:spPr/>
+        <p:spPr>
+          <a:xfrm>
+            <a:off x="444500" y="1531474"/>
+            <a:ext cx="3694684" cy="4576718"/>
+          </a:xfrm>
+        </p:spPr>
         <p:txBody>
           <a:bodyPr rtlCol="0"/>
           <a:lstStyle/>
           <a:p>
-            <a:pPr rtl="0"/>
             <a:r>
-              <a:rPr lang="ru-RU"/>
-              <a:t>Lorem ipsum dolor sit amet, consectetuer adipiscing elit. Maecenas porttitor congue massa. Fusce posuere, magna sed pulvinar ultricies, purus lectus malesuada libero, sit amet commodo magna eros quis urna. Nunc viverra imperdiet enim. Fusce est. Vivamus a tellus.</a:t>
+              <a:rPr lang="ru-RU" b="1" dirty="0"/>
+              <a:t>🔢 Устройство</a:t>
             </a:r>
-          </a:p>
-          <a:p>
-            <a:pPr rtl="0"/>
             <a:r>
-              <a:rPr lang="ru-RU"/>
-              <a:t>Pellentesque habitant morbi tristique senectus et netus et malesuada fames ac turpis egestas. Proin pharetra nonummy pede. Mauris et orci.</a:t>
+              <a:rPr lang="ru-RU" dirty="0"/>
+              <a:t> — только переменные одного </a:t>
+            </a:r>
+            <a:r>
+              <a:rPr lang="ru-RU" dirty="0" err="1" smtClean="0"/>
+              <a:t>Slave</a:t>
+            </a:r>
+            <a:endParaRPr lang="ru-RU" dirty="0" smtClean="0"/>
+          </a:p>
+          <a:p>
+            <a:endParaRPr lang="ru-RU" dirty="0"/>
+          </a:p>
+          <a:p>
+            <a:r>
+              <a:rPr lang="ru-RU" b="1" dirty="0"/>
+              <a:t>📊 Тип данных</a:t>
+            </a:r>
+            <a:r>
+              <a:rPr lang="ru-RU" dirty="0"/>
+              <a:t> — одинаковый для всех переменных в </a:t>
+            </a:r>
+            <a:r>
+              <a:rPr lang="ru-RU" dirty="0" smtClean="0"/>
+              <a:t>группе</a:t>
+            </a:r>
+          </a:p>
+          <a:p>
+            <a:endParaRPr lang="ru-RU" dirty="0"/>
+          </a:p>
+          <a:p>
+            <a:r>
+              <a:rPr lang="ru-RU" b="1" dirty="0"/>
+              <a:t>📍 Адреса</a:t>
+            </a:r>
+            <a:r>
+              <a:rPr lang="ru-RU" dirty="0"/>
+              <a:t> — последовательные без </a:t>
+            </a:r>
+            <a:r>
+              <a:rPr lang="ru-RU" dirty="0" smtClean="0"/>
+              <a:t>разрывов</a:t>
+            </a:r>
+          </a:p>
+          <a:p>
+            <a:endParaRPr lang="ru-RU" dirty="0"/>
+          </a:p>
+          <a:p>
+            <a:r>
+              <a:rPr lang="ru-RU" b="1" dirty="0"/>
+              <a:t>🔄 Функции</a:t>
+            </a:r>
+            <a:r>
+              <a:rPr lang="ru-RU" dirty="0"/>
+              <a:t> — одинаковые операции </a:t>
+            </a:r>
+            <a:r>
+              <a:rPr lang="ru-RU" dirty="0" smtClean="0"/>
+              <a:t>чтения/записи</a:t>
+            </a:r>
+          </a:p>
+          <a:p>
+            <a:endParaRPr lang="ru-RU" dirty="0"/>
+          </a:p>
+          <a:p>
+            <a:r>
+              <a:rPr lang="ru-RU" b="1" dirty="0"/>
+              <a:t>🕒</a:t>
+            </a:r>
+            <a:r>
+              <a:rPr lang="ru-RU" b="1" dirty="0" smtClean="0"/>
+              <a:t> </a:t>
+            </a:r>
+            <a:r>
+              <a:rPr lang="ru-RU" b="1" dirty="0"/>
+              <a:t>Условия</a:t>
+            </a:r>
+            <a:r>
+              <a:rPr lang="ru-RU" dirty="0"/>
+              <a:t> — совпадающие периоды или </a:t>
+            </a:r>
+            <a:r>
+              <a:rPr lang="ru-RU" dirty="0" smtClean="0"/>
+              <a:t>команды</a:t>
+            </a:r>
+          </a:p>
+          <a:p>
+            <a:endParaRPr lang="ru-RU" dirty="0"/>
+          </a:p>
+          <a:p>
+            <a:r>
+              <a:rPr lang="ru-RU" b="1" dirty="0" smtClean="0"/>
+              <a:t>⚙️ Команды</a:t>
+            </a:r>
+            <a:r>
+              <a:rPr lang="ru-RU" dirty="0"/>
+              <a:t> — одна командная переменная на группу</a:t>
             </a:r>
           </a:p>
         </p:txBody>
@@ -28916,6 +28970,36 @@
           </a:p>
         </p:txBody>
       </p:sp>
+      <p:pic>
+        <p:nvPicPr>
+          <p:cNvPr id="6" name="Рисунок 5"/>
+          <p:cNvPicPr>
+            <a:picLocks noChangeAspect="1"/>
+          </p:cNvPicPr>
+          <p:nvPr/>
+        </p:nvPicPr>
+        <p:blipFill>
+          <a:blip r:embed="rId3">
+            <a:extLst>
+              <a:ext uri="{28A0092B-C50C-407E-A947-70E740481C1C}">
+                <a14:useLocalDpi xmlns:a14="http://schemas.microsoft.com/office/drawing/2010/main" val="0"/>
+              </a:ext>
+            </a:extLst>
+          </a:blip>
+          <a:stretch>
+            <a:fillRect/>
+          </a:stretch>
+        </p:blipFill>
+        <p:spPr>
+          <a:xfrm>
+            <a:off x="4450081" y="-18288"/>
+            <a:ext cx="7741920" cy="6224016"/>
+          </a:xfrm>
+          <a:prstGeom prst="rect">
+            <a:avLst/>
+          </a:prstGeom>
+        </p:spPr>
+      </p:pic>
     </p:spTree>
     <p:extLst>
       <p:ext uri="{BB962C8B-B14F-4D97-AF65-F5344CB8AC3E}">
@@ -28983,8 +29067,8 @@
         </p:nvSpPr>
         <p:spPr>
           <a:xfrm>
-            <a:off x="444500" y="434812"/>
-            <a:ext cx="11214100" cy="1200329"/>
+            <a:off x="444500" y="434813"/>
+            <a:ext cx="4287521" cy="903148"/>
           </a:xfrm>
         </p:spPr>
         <p:txBody>
@@ -31284,21 +31368,21 @@
 </file>
 
 <file path=customXml/item1.xml><?xml version="1.0" encoding="utf-8"?>
+<p:properties xmlns:p="http://schemas.microsoft.com/office/2006/metadata/properties" xmlns:xsi="http://www.w3.org/2001/XMLSchema-instance" xmlns:pc="http://schemas.microsoft.com/office/infopath/2007/PartnerControls">
+  <documentManagement>
+    <_ip_UnifiedCompliancePolicyUIAction xmlns="http://schemas.microsoft.com/sharepoint/v3" xsi:nil="true"/>
+    <_ip_UnifiedCompliancePolicyProperties xmlns="http://schemas.microsoft.com/sharepoint/v3" xsi:nil="true"/>
+  </documentManagement>
+</p:properties>
+</file>
+
+<file path=customXml/item2.xml><?xml version="1.0" encoding="utf-8"?>
 <?mso-contentType ?>
 <FormTemplates xmlns="http://schemas.microsoft.com/sharepoint/v3/contenttype/forms">
   <Display>DocumentLibraryForm</Display>
   <Edit>DocumentLibraryForm</Edit>
   <New>DocumentLibraryForm</New>
 </FormTemplates>
-</file>
-
-<file path=customXml/item2.xml><?xml version="1.0" encoding="utf-8"?>
-<p:properties xmlns:p="http://schemas.microsoft.com/office/2006/metadata/properties" xmlns:xsi="http://www.w3.org/2001/XMLSchema-instance" xmlns:pc="http://schemas.microsoft.com/office/infopath/2007/PartnerControls">
-  <documentManagement>
-    <_ip_UnifiedCompliancePolicyUIAction xmlns="http://schemas.microsoft.com/sharepoint/v3" xsi:nil="true"/>
-    <_ip_UnifiedCompliancePolicyProperties xmlns="http://schemas.microsoft.com/sharepoint/v3" xsi:nil="true"/>
-  </documentManagement>
-</p:properties>
 </file>
 
 <file path=customXml/item3.xml><?xml version="1.0" encoding="utf-8"?>
@@ -31510,14 +31594,6 @@
 </file>
 
 <file path=customXml/itemProps1.xml><?xml version="1.0" encoding="utf-8"?>
-<ds:datastoreItem xmlns:ds="http://schemas.openxmlformats.org/officeDocument/2006/customXml" ds:itemID="{8A95DE24-D6C3-4A00-9085-D9594C193AE1}">
-  <ds:schemaRefs>
-    <ds:schemaRef ds:uri="http://schemas.microsoft.com/sharepoint/v3/contenttype/forms"/>
-  </ds:schemaRefs>
-</ds:datastoreItem>
-</file>
-
-<file path=customXml/itemProps2.xml><?xml version="1.0" encoding="utf-8"?>
 <ds:datastoreItem xmlns:ds="http://schemas.openxmlformats.org/officeDocument/2006/customXml" ds:itemID="{F8992231-163D-4428-A2B8-DA1FE0274129}">
   <ds:schemaRefs>
     <ds:schemaRef ds:uri="http://purl.org/dc/terms/"/>
@@ -31531,6 +31607,14 @@
     <ds:schemaRef ds:uri="http://schemas.microsoft.com/sharepoint/v3"/>
     <ds:schemaRef ds:uri="http://schemas.microsoft.com/office/2006/metadata/properties"/>
     <ds:schemaRef ds:uri="http://www.w3.org/XML/1998/namespace"/>
+  </ds:schemaRefs>
+</ds:datastoreItem>
+</file>
+
+<file path=customXml/itemProps2.xml><?xml version="1.0" encoding="utf-8"?>
+<ds:datastoreItem xmlns:ds="http://schemas.openxmlformats.org/officeDocument/2006/customXml" ds:itemID="{8A95DE24-D6C3-4A00-9085-D9594C193AE1}">
+  <ds:schemaRefs>
+    <ds:schemaRef ds:uri="http://schemas.microsoft.com/sharepoint/v3/contenttype/forms"/>
   </ds:schemaRefs>
 </ds:datastoreItem>
 </file>
